--- a/meeting/20210719.pptx
+++ b/meeting/20210719.pptx
@@ -14,6 +14,7 @@
     <p:sldId id="284" r:id="rId8"/>
     <p:sldId id="285" r:id="rId9"/>
     <p:sldId id="286" r:id="rId10"/>
+    <p:sldId id="287" r:id="rId11"/>
   </p:sldIdLst>
   <p:sldSz cx="12192000" cy="6858000"/>
   <p:notesSz cx="6858000" cy="9144000"/>
@@ -3588,6 +3589,293 @@
 </p:sld>
 </file>
 
+<file path=ppt/slides/slide10.xml><?xml version="1.0" encoding="utf-8"?>
+<p:sld xmlns:a="http://schemas.openxmlformats.org/drawingml/2006/main" xmlns:r="http://schemas.openxmlformats.org/officeDocument/2006/relationships" xmlns:p="http://schemas.openxmlformats.org/presentationml/2006/main">
+  <p:cSld>
+    <p:spTree>
+      <p:nvGrpSpPr>
+        <p:cNvPr id="1" name=""/>
+        <p:cNvGrpSpPr/>
+        <p:nvPr/>
+      </p:nvGrpSpPr>
+      <p:grpSpPr>
+        <a:xfrm>
+          <a:off x="0" y="0"/>
+          <a:ext cx="0" cy="0"/>
+          <a:chOff x="0" y="0"/>
+          <a:chExt cx="0" cy="0"/>
+        </a:xfrm>
+      </p:grpSpPr>
+      <p:sp>
+        <p:nvSpPr>
+          <p:cNvPr id="3" name="Text Placeholder 2">
+            <a:extLst>
+              <a:ext uri="{FF2B5EF4-FFF2-40B4-BE49-F238E27FC236}">
+                <a16:creationId xmlns:a16="http://schemas.microsoft.com/office/drawing/2014/main" id="{8E5413F6-CAB7-4091-BF09-A130A8692475}"/>
+              </a:ext>
+            </a:extLst>
+          </p:cNvPr>
+          <p:cNvSpPr>
+            <a:spLocks noGrp="1"/>
+          </p:cNvSpPr>
+          <p:nvPr>
+            <p:ph type="body" sz="quarter" idx="14"/>
+          </p:nvPr>
+        </p:nvSpPr>
+        <p:spPr/>
+        <p:txBody>
+          <a:bodyPr/>
+          <a:lstStyle/>
+          <a:p>
+            <a:r>
+              <a:rPr lang="en-US" dirty="0">
+                <a:solidFill>
+                  <a:schemeClr val="tx1"/>
+                </a:solidFill>
+              </a:rPr>
+              <a:t>Precooling Test</a:t>
+            </a:r>
+          </a:p>
+        </p:txBody>
+      </p:sp>
+      <p:pic>
+        <p:nvPicPr>
+          <p:cNvPr id="4" name="Picture 3">
+            <a:extLst>
+              <a:ext uri="{FF2B5EF4-FFF2-40B4-BE49-F238E27FC236}">
+                <a16:creationId xmlns:a16="http://schemas.microsoft.com/office/drawing/2014/main" id="{145B3A2C-B93A-4438-B678-8561E0E260B4}"/>
+              </a:ext>
+            </a:extLst>
+          </p:cNvPr>
+          <p:cNvPicPr>
+            <a:picLocks noChangeAspect="1"/>
+          </p:cNvPicPr>
+          <p:nvPr/>
+        </p:nvPicPr>
+        <p:blipFill>
+          <a:blip r:embed="rId2"/>
+          <a:stretch>
+            <a:fillRect/>
+          </a:stretch>
+        </p:blipFill>
+        <p:spPr>
+          <a:xfrm>
+            <a:off x="413661" y="941647"/>
+            <a:ext cx="10855353" cy="4713147"/>
+          </a:xfrm>
+          <a:prstGeom prst="rect">
+            <a:avLst/>
+          </a:prstGeom>
+        </p:spPr>
+      </p:pic>
+      <p:graphicFrame>
+        <p:nvGraphicFramePr>
+          <p:cNvPr id="6" name="Table 5">
+            <a:extLst>
+              <a:ext uri="{FF2B5EF4-FFF2-40B4-BE49-F238E27FC236}">
+                <a16:creationId xmlns:a16="http://schemas.microsoft.com/office/drawing/2014/main" id="{B2A3C7D8-81BE-4D55-BB43-3053D9195248}"/>
+              </a:ext>
+            </a:extLst>
+          </p:cNvPr>
+          <p:cNvGraphicFramePr>
+            <a:graphicFrameLocks noGrp="1"/>
+          </p:cNvGraphicFramePr>
+          <p:nvPr>
+            <p:extLst>
+              <p:ext uri="{D42A27DB-BD31-4B8C-83A1-F6EECF244321}">
+                <p14:modId xmlns:p14="http://schemas.microsoft.com/office/powerpoint/2010/main" val="3247376318"/>
+              </p:ext>
+            </p:extLst>
+          </p:nvPr>
+        </p:nvGraphicFramePr>
+        <p:xfrm>
+          <a:off x="1184712" y="5654794"/>
+          <a:ext cx="8127999" cy="1112520"/>
+        </p:xfrm>
+        <a:graphic>
+          <a:graphicData uri="http://schemas.openxmlformats.org/drawingml/2006/table">
+            <a:tbl>
+              <a:tblPr firstRow="1" bandRow="1">
+                <a:tableStyleId>{5C22544A-7EE6-4342-B048-85BDC9FD1C3A}</a:tableStyleId>
+              </a:tblPr>
+              <a:tblGrid>
+                <a:gridCol w="2709333">
+                  <a:extLst>
+                    <a:ext uri="{9D8B030D-6E8A-4147-A177-3AD203B41FA5}">
+                      <a16:colId xmlns:a16="http://schemas.microsoft.com/office/drawing/2014/main" val="1629759367"/>
+                    </a:ext>
+                  </a:extLst>
+                </a:gridCol>
+                <a:gridCol w="2709333">
+                  <a:extLst>
+                    <a:ext uri="{9D8B030D-6E8A-4147-A177-3AD203B41FA5}">
+                      <a16:colId xmlns:a16="http://schemas.microsoft.com/office/drawing/2014/main" val="2322029320"/>
+                    </a:ext>
+                  </a:extLst>
+                </a:gridCol>
+                <a:gridCol w="2709333">
+                  <a:extLst>
+                    <a:ext uri="{9D8B030D-6E8A-4147-A177-3AD203B41FA5}">
+                      <a16:colId xmlns:a16="http://schemas.microsoft.com/office/drawing/2014/main" val="3796481703"/>
+                    </a:ext>
+                  </a:extLst>
+                </a:gridCol>
+              </a:tblGrid>
+              <a:tr h="370840">
+                <a:tc>
+                  <a:txBody>
+                    <a:bodyPr/>
+                    <a:lstStyle/>
+                    <a:p>
+                      <a:r>
+                        <a:rPr lang="en-US" dirty="0"/>
+                        <a:t>Case </a:t>
+                      </a:r>
+                    </a:p>
+                  </a:txBody>
+                  <a:tcPr/>
+                </a:tc>
+                <a:tc>
+                  <a:txBody>
+                    <a:bodyPr/>
+                    <a:lstStyle/>
+                    <a:p>
+                      <a:r>
+                        <a:rPr lang="en-US" dirty="0"/>
+                        <a:t>Energy [kWh]</a:t>
+                      </a:r>
+                    </a:p>
+                  </a:txBody>
+                  <a:tcPr/>
+                </a:tc>
+                <a:tc>
+                  <a:txBody>
+                    <a:bodyPr/>
+                    <a:lstStyle/>
+                    <a:p>
+                      <a:r>
+                        <a:rPr lang="en-US" dirty="0"/>
+                        <a:t>Cost($)</a:t>
+                      </a:r>
+                    </a:p>
+                  </a:txBody>
+                  <a:tcPr/>
+                </a:tc>
+                <a:extLst>
+                  <a:ext uri="{0D108BD9-81ED-4DB2-BD59-A6C34878D82A}">
+                    <a16:rowId xmlns:a16="http://schemas.microsoft.com/office/drawing/2014/main" val="747919394"/>
+                  </a:ext>
+                </a:extLst>
+              </a:tr>
+              <a:tr h="370840">
+                <a:tc>
+                  <a:txBody>
+                    <a:bodyPr/>
+                    <a:lstStyle/>
+                    <a:p>
+                      <a:r>
+                        <a:rPr lang="en-US" dirty="0"/>
+                        <a:t>Upper bound</a:t>
+                      </a:r>
+                    </a:p>
+                  </a:txBody>
+                  <a:tcPr/>
+                </a:tc>
+                <a:tc>
+                  <a:txBody>
+                    <a:bodyPr/>
+                    <a:lstStyle/>
+                    <a:p>
+                      <a:r>
+                        <a:rPr lang="en-US" dirty="0"/>
+                        <a:t>17.2/1000*2</a:t>
+                      </a:r>
+                    </a:p>
+                  </a:txBody>
+                  <a:tcPr/>
+                </a:tc>
+                <a:tc>
+                  <a:txBody>
+                    <a:bodyPr/>
+                    <a:lstStyle/>
+                    <a:p>
+                      <a:r>
+                        <a:rPr lang="en-US" dirty="0"/>
+                        <a:t>0.0085</a:t>
+                      </a:r>
+                    </a:p>
+                  </a:txBody>
+                  <a:tcPr/>
+                </a:tc>
+                <a:extLst>
+                  <a:ext uri="{0D108BD9-81ED-4DB2-BD59-A6C34878D82A}">
+                    <a16:rowId xmlns:a16="http://schemas.microsoft.com/office/drawing/2014/main" val="194412832"/>
+                  </a:ext>
+                </a:extLst>
+              </a:tr>
+              <a:tr h="370840">
+                <a:tc>
+                  <a:txBody>
+                    <a:bodyPr/>
+                    <a:lstStyle/>
+                    <a:p>
+                      <a:r>
+                        <a:rPr lang="en-US" dirty="0"/>
+                        <a:t>precool</a:t>
+                      </a:r>
+                    </a:p>
+                  </a:txBody>
+                  <a:tcPr/>
+                </a:tc>
+                <a:tc>
+                  <a:txBody>
+                    <a:bodyPr/>
+                    <a:lstStyle/>
+                    <a:p>
+                      <a:r>
+                        <a:rPr lang="en-US" dirty="0"/>
+                        <a:t>79.7/1000+10/1000</a:t>
+                      </a:r>
+                    </a:p>
+                  </a:txBody>
+                  <a:tcPr/>
+                </a:tc>
+                <a:tc>
+                  <a:txBody>
+                    <a:bodyPr/>
+                    <a:lstStyle/>
+                    <a:p>
+                      <a:r>
+                        <a:rPr lang="en-US" dirty="0"/>
+                        <a:t>0.0146</a:t>
+                      </a:r>
+                    </a:p>
+                  </a:txBody>
+                  <a:tcPr/>
+                </a:tc>
+                <a:extLst>
+                  <a:ext uri="{0D108BD9-81ED-4DB2-BD59-A6C34878D82A}">
+                    <a16:rowId xmlns:a16="http://schemas.microsoft.com/office/drawing/2014/main" val="1253639498"/>
+                  </a:ext>
+                </a:extLst>
+              </a:tr>
+            </a:tbl>
+          </a:graphicData>
+        </a:graphic>
+      </p:graphicFrame>
+    </p:spTree>
+    <p:extLst>
+      <p:ext uri="{BB962C8B-B14F-4D97-AF65-F5344CB8AC3E}">
+        <p14:creationId xmlns:p14="http://schemas.microsoft.com/office/powerpoint/2010/main" val="2998363732"/>
+      </p:ext>
+    </p:extLst>
+  </p:cSld>
+  <p:clrMapOvr>
+    <a:masterClrMapping/>
+  </p:clrMapOvr>
+</p:sld>
+</file>
+
 <file path=ppt/slides/slide2.xml><?xml version="1.0" encoding="utf-8"?>
 <p:sld xmlns:a="http://schemas.openxmlformats.org/drawingml/2006/main" xmlns:r="http://schemas.openxmlformats.org/officeDocument/2006/relationships" xmlns:p="http://schemas.openxmlformats.org/presentationml/2006/main">
   <p:cSld>

--- a/meeting/20210719.pptx
+++ b/meeting/20210719.pptx
@@ -268,7 +268,7 @@
           <a:p>
             <a:fld id="{9508E511-C4A5-4250-91AD-093C2CA813FA}" type="datetimeFigureOut">
               <a:rPr lang="en-US" smtClean="0"/>
-              <a:t>7/14/2021</a:t>
+              <a:t>7/15/2021</a:t>
             </a:fld>
             <a:endParaRPr lang="en-US"/>
           </a:p>
@@ -466,7 +466,7 @@
           <a:p>
             <a:fld id="{9508E511-C4A5-4250-91AD-093C2CA813FA}" type="datetimeFigureOut">
               <a:rPr lang="en-US" smtClean="0"/>
-              <a:t>7/14/2021</a:t>
+              <a:t>7/15/2021</a:t>
             </a:fld>
             <a:endParaRPr lang="en-US"/>
           </a:p>
@@ -674,7 +674,7 @@
           <a:p>
             <a:fld id="{9508E511-C4A5-4250-91AD-093C2CA813FA}" type="datetimeFigureOut">
               <a:rPr lang="en-US" smtClean="0"/>
-              <a:t>7/14/2021</a:t>
+              <a:t>7/15/2021</a:t>
             </a:fld>
             <a:endParaRPr lang="en-US"/>
           </a:p>
@@ -1039,7 +1039,7 @@
           <a:p>
             <a:fld id="{9508E511-C4A5-4250-91AD-093C2CA813FA}" type="datetimeFigureOut">
               <a:rPr lang="en-US" smtClean="0"/>
-              <a:t>7/14/2021</a:t>
+              <a:t>7/15/2021</a:t>
             </a:fld>
             <a:endParaRPr lang="en-US"/>
           </a:p>
@@ -1314,7 +1314,7 @@
           <a:p>
             <a:fld id="{9508E511-C4A5-4250-91AD-093C2CA813FA}" type="datetimeFigureOut">
               <a:rPr lang="en-US" smtClean="0"/>
-              <a:t>7/14/2021</a:t>
+              <a:t>7/15/2021</a:t>
             </a:fld>
             <a:endParaRPr lang="en-US"/>
           </a:p>
@@ -1579,7 +1579,7 @@
           <a:p>
             <a:fld id="{9508E511-C4A5-4250-91AD-093C2CA813FA}" type="datetimeFigureOut">
               <a:rPr lang="en-US" smtClean="0"/>
-              <a:t>7/14/2021</a:t>
+              <a:t>7/15/2021</a:t>
             </a:fld>
             <a:endParaRPr lang="en-US"/>
           </a:p>
@@ -1991,7 +1991,7 @@
           <a:p>
             <a:fld id="{9508E511-C4A5-4250-91AD-093C2CA813FA}" type="datetimeFigureOut">
               <a:rPr lang="en-US" smtClean="0"/>
-              <a:t>7/14/2021</a:t>
+              <a:t>7/15/2021</a:t>
             </a:fld>
             <a:endParaRPr lang="en-US"/>
           </a:p>
@@ -2132,7 +2132,7 @@
           <a:p>
             <a:fld id="{9508E511-C4A5-4250-91AD-093C2CA813FA}" type="datetimeFigureOut">
               <a:rPr lang="en-US" smtClean="0"/>
-              <a:t>7/14/2021</a:t>
+              <a:t>7/15/2021</a:t>
             </a:fld>
             <a:endParaRPr lang="en-US"/>
           </a:p>
@@ -2245,7 +2245,7 @@
           <a:p>
             <a:fld id="{9508E511-C4A5-4250-91AD-093C2CA813FA}" type="datetimeFigureOut">
               <a:rPr lang="en-US" smtClean="0"/>
-              <a:t>7/14/2021</a:t>
+              <a:t>7/15/2021</a:t>
             </a:fld>
             <a:endParaRPr lang="en-US"/>
           </a:p>
@@ -2556,7 +2556,7 @@
           <a:p>
             <a:fld id="{9508E511-C4A5-4250-91AD-093C2CA813FA}" type="datetimeFigureOut">
               <a:rPr lang="en-US" smtClean="0"/>
-              <a:t>7/14/2021</a:t>
+              <a:t>7/15/2021</a:t>
             </a:fld>
             <a:endParaRPr lang="en-US"/>
           </a:p>
@@ -2844,7 +2844,7 @@
           <a:p>
             <a:fld id="{9508E511-C4A5-4250-91AD-093C2CA813FA}" type="datetimeFigureOut">
               <a:rPr lang="en-US" smtClean="0"/>
-              <a:t>7/14/2021</a:t>
+              <a:t>7/15/2021</a:t>
             </a:fld>
             <a:endParaRPr lang="en-US"/>
           </a:p>
@@ -3085,7 +3085,7 @@
           <a:p>
             <a:fld id="{9508E511-C4A5-4250-91AD-093C2CA813FA}" type="datetimeFigureOut">
               <a:rPr lang="en-US" smtClean="0"/>
-              <a:t>7/14/2021</a:t>
+              <a:t>7/15/2021</a:t>
             </a:fld>
             <a:endParaRPr lang="en-US"/>
           </a:p>
